--- a/01_Software Requirements Specification/Zeichnungen.pptx
+++ b/01_Software Requirements Specification/Zeichnungen.pptx
@@ -104,6 +104,11 @@
       </a:defRPr>
     </a:lvl9pPr>
   </p:defaultTextStyle>
+  <p:extLst>
+    <p:ext uri="{EFAFB233-063F-42B5-8137-9DF3F51BA10A}">
+      <p15:sldGuideLst xmlns:p15="http://schemas.microsoft.com/office/powerpoint/2012/main"/>
+    </p:ext>
+  </p:extLst>
 </p:presentation>
 </file>
 
@@ -238,7 +243,7 @@
           <a:p>
             <a:fld id="{794F58F0-B98D-41EE-A5C8-0BD046E49DAF}" type="datetimeFigureOut">
               <a:rPr lang="de-DE" smtClean="0"/>
-              <a:t>13.11.2017</a:t>
+              <a:t>19.11.2017</a:t>
             </a:fld>
             <a:endParaRPr lang="de-DE"/>
           </a:p>
@@ -408,7 +413,7 @@
           <a:p>
             <a:fld id="{794F58F0-B98D-41EE-A5C8-0BD046E49DAF}" type="datetimeFigureOut">
               <a:rPr lang="de-DE" smtClean="0"/>
-              <a:t>13.11.2017</a:t>
+              <a:t>19.11.2017</a:t>
             </a:fld>
             <a:endParaRPr lang="de-DE"/>
           </a:p>
@@ -588,7 +593,7 @@
           <a:p>
             <a:fld id="{794F58F0-B98D-41EE-A5C8-0BD046E49DAF}" type="datetimeFigureOut">
               <a:rPr lang="de-DE" smtClean="0"/>
-              <a:t>13.11.2017</a:t>
+              <a:t>19.11.2017</a:t>
             </a:fld>
             <a:endParaRPr lang="de-DE"/>
           </a:p>
@@ -758,7 +763,7 @@
           <a:p>
             <a:fld id="{794F58F0-B98D-41EE-A5C8-0BD046E49DAF}" type="datetimeFigureOut">
               <a:rPr lang="de-DE" smtClean="0"/>
-              <a:t>13.11.2017</a:t>
+              <a:t>19.11.2017</a:t>
             </a:fld>
             <a:endParaRPr lang="de-DE"/>
           </a:p>
@@ -1004,7 +1009,7 @@
           <a:p>
             <a:fld id="{794F58F0-B98D-41EE-A5C8-0BD046E49DAF}" type="datetimeFigureOut">
               <a:rPr lang="de-DE" smtClean="0"/>
-              <a:t>13.11.2017</a:t>
+              <a:t>19.11.2017</a:t>
             </a:fld>
             <a:endParaRPr lang="de-DE"/>
           </a:p>
@@ -1236,7 +1241,7 @@
           <a:p>
             <a:fld id="{794F58F0-B98D-41EE-A5C8-0BD046E49DAF}" type="datetimeFigureOut">
               <a:rPr lang="de-DE" smtClean="0"/>
-              <a:t>13.11.2017</a:t>
+              <a:t>19.11.2017</a:t>
             </a:fld>
             <a:endParaRPr lang="de-DE"/>
           </a:p>
@@ -1603,7 +1608,7 @@
           <a:p>
             <a:fld id="{794F58F0-B98D-41EE-A5C8-0BD046E49DAF}" type="datetimeFigureOut">
               <a:rPr lang="de-DE" smtClean="0"/>
-              <a:t>13.11.2017</a:t>
+              <a:t>19.11.2017</a:t>
             </a:fld>
             <a:endParaRPr lang="de-DE"/>
           </a:p>
@@ -1721,7 +1726,7 @@
           <a:p>
             <a:fld id="{794F58F0-B98D-41EE-A5C8-0BD046E49DAF}" type="datetimeFigureOut">
               <a:rPr lang="de-DE" smtClean="0"/>
-              <a:t>13.11.2017</a:t>
+              <a:t>19.11.2017</a:t>
             </a:fld>
             <a:endParaRPr lang="de-DE"/>
           </a:p>
@@ -1816,7 +1821,7 @@
           <a:p>
             <a:fld id="{794F58F0-B98D-41EE-A5C8-0BD046E49DAF}" type="datetimeFigureOut">
               <a:rPr lang="de-DE" smtClean="0"/>
-              <a:t>13.11.2017</a:t>
+              <a:t>19.11.2017</a:t>
             </a:fld>
             <a:endParaRPr lang="de-DE"/>
           </a:p>
@@ -2093,7 +2098,7 @@
           <a:p>
             <a:fld id="{794F58F0-B98D-41EE-A5C8-0BD046E49DAF}" type="datetimeFigureOut">
               <a:rPr lang="de-DE" smtClean="0"/>
-              <a:t>13.11.2017</a:t>
+              <a:t>19.11.2017</a:t>
             </a:fld>
             <a:endParaRPr lang="de-DE"/>
           </a:p>
@@ -2346,7 +2351,7 @@
           <a:p>
             <a:fld id="{794F58F0-B98D-41EE-A5C8-0BD046E49DAF}" type="datetimeFigureOut">
               <a:rPr lang="de-DE" smtClean="0"/>
-              <a:t>13.11.2017</a:t>
+              <a:t>19.11.2017</a:t>
             </a:fld>
             <a:endParaRPr lang="de-DE"/>
           </a:p>
@@ -2559,7 +2564,7 @@
           <a:p>
             <a:fld id="{794F58F0-B98D-41EE-A5C8-0BD046E49DAF}" type="datetimeFigureOut">
               <a:rPr lang="de-DE" smtClean="0"/>
-              <a:t>13.11.2017</a:t>
+              <a:t>19.11.2017</a:t>
             </a:fld>
             <a:endParaRPr lang="de-DE"/>
           </a:p>
@@ -2987,7 +2992,7 @@
         </p:blipFill>
         <p:spPr bwMode="auto">
           <a:xfrm>
-            <a:off x="6708528" y="3868754"/>
+            <a:off x="7028694" y="256977"/>
             <a:ext cx="2645734" cy="2881961"/>
           </a:xfrm>
           <a:prstGeom prst="rect">
@@ -3028,7 +3033,7 @@
         </p:blipFill>
         <p:spPr bwMode="auto">
           <a:xfrm>
-            <a:off x="67593" y="896173"/>
+            <a:off x="336349" y="1036831"/>
             <a:ext cx="4521559" cy="4521559"/>
           </a:xfrm>
           <a:prstGeom prst="rect">
@@ -3132,18 +3137,20 @@
         <p:nvCxnSpPr>
           <p:cNvPr id="11" name="Elbow Connector 10"/>
           <p:cNvCxnSpPr>
-            <a:stCxn id="1028" idx="0"/>
+            <a:stCxn id="1028" idx="1"/>
             <a:endCxn id="1032" idx="3"/>
           </p:cNvCxnSpPr>
           <p:nvPr/>
         </p:nvCxnSpPr>
         <p:spPr>
-          <a:xfrm rot="16200000" flipV="1">
-            <a:off x="6284565" y="2121923"/>
-            <a:ext cx="2170794" cy="1322867"/>
+          <a:xfrm rot="10800000" flipV="1">
+            <a:off x="6708528" y="1697958"/>
+            <a:ext cx="320166" cy="2"/>
           </a:xfrm>
-          <a:prstGeom prst="bentConnector2">
-            <a:avLst/>
+          <a:prstGeom prst="bentConnector3">
+            <a:avLst>
+              <a:gd name="adj1" fmla="val 50000"/>
+            </a:avLst>
           </a:prstGeom>
           <a:ln>
             <a:tailEnd type="triangle"/>
@@ -3172,7 +3179,7 @@
         </p:nvCxnSpPr>
         <p:spPr>
           <a:xfrm>
-            <a:off x="6142008" y="2156604"/>
+            <a:off x="6228272" y="2223138"/>
             <a:ext cx="0" cy="767751"/>
           </a:xfrm>
           <a:prstGeom prst="straightConnector1">
@@ -3220,22 +3227,10 @@
           <a:lstStyle/>
           <a:p>
             <a:r>
-              <a:rPr lang="de-DE" dirty="0" smtClean="0"/>
-              <a:t>Bluetooth </a:t>
-            </a:r>
-            <a:r>
-              <a:rPr lang="de-DE" dirty="0" err="1"/>
-              <a:t>S</a:t>
-            </a:r>
-            <a:r>
-              <a:rPr lang="de-DE" dirty="0" err="1" smtClean="0"/>
-              <a:t>hield</a:t>
-            </a:r>
-            <a:r>
-              <a:rPr lang="de-DE" dirty="0" smtClean="0"/>
-              <a:t> V2.0</a:t>
-            </a:r>
-            <a:endParaRPr lang="de-DE" dirty="0"/>
+              <a:rPr lang="en-US" dirty="0" smtClean="0"/>
+              <a:t>Bluetooth Shield V2.0</a:t>
+            </a:r>
+            <a:endParaRPr lang="en-US" dirty="0"/>
           </a:p>
         </p:txBody>
       </p:sp>
@@ -3247,7 +3242,7 @@
         </p:nvSpPr>
         <p:spPr>
           <a:xfrm>
-            <a:off x="4121590" y="2709074"/>
+            <a:off x="5650528" y="4260558"/>
             <a:ext cx="1674231" cy="369332"/>
           </a:xfrm>
           <a:prstGeom prst="rect">
@@ -3262,20 +3257,16 @@
           <a:lstStyle/>
           <a:p>
             <a:r>
-              <a:rPr lang="de-DE" dirty="0" err="1" smtClean="0"/>
-              <a:t>Arduino</a:t>
-            </a:r>
-            <a:r>
-              <a:rPr lang="de-DE" dirty="0" smtClean="0"/>
-              <a:t> Uno </a:t>
-            </a:r>
-            <a:endParaRPr lang="de-DE" dirty="0"/>
+              <a:rPr lang="en-US" dirty="0" smtClean="0"/>
+              <a:t>Arduino Uno </a:t>
+            </a:r>
+            <a:endParaRPr lang="en-US" dirty="0"/>
           </a:p>
         </p:txBody>
       </p:sp>
       <p:pic>
         <p:nvPicPr>
-          <p:cNvPr id="4" name="Picture 3"/>
+          <p:cNvPr id="5" name="Picture 4"/>
           <p:cNvPicPr>
             <a:picLocks noChangeAspect="1"/>
           </p:cNvPicPr>
@@ -3289,31 +3280,7 @@
         </p:blipFill>
         <p:spPr>
           <a:xfrm>
-            <a:off x="1261146" y="5133339"/>
-            <a:ext cx="1546100" cy="1026829"/>
-          </a:xfrm>
-          <a:prstGeom prst="rect">
-            <a:avLst/>
-          </a:prstGeom>
-        </p:spPr>
-      </p:pic>
-      <p:pic>
-        <p:nvPicPr>
-          <p:cNvPr id="5" name="Picture 4"/>
-          <p:cNvPicPr>
-            <a:picLocks noChangeAspect="1"/>
-          </p:cNvPicPr>
-          <p:nvPr/>
-        </p:nvPicPr>
-        <p:blipFill>
-          <a:blip r:embed="rId7"/>
-          <a:stretch>
-            <a:fillRect/>
-          </a:stretch>
-        </p:blipFill>
-        <p:spPr>
-          <a:xfrm>
-            <a:off x="3823496" y="5435484"/>
+            <a:off x="830636" y="2990889"/>
             <a:ext cx="685658" cy="687990"/>
           </a:xfrm>
           <a:prstGeom prst="rect">
@@ -3329,7 +3296,7 @@
         </p:nvSpPr>
         <p:spPr>
           <a:xfrm>
-            <a:off x="1387319" y="1513293"/>
+            <a:off x="1911578" y="1697958"/>
             <a:ext cx="2299221" cy="369332"/>
           </a:xfrm>
           <a:prstGeom prst="rect">
@@ -3344,35 +3311,31 @@
           <a:lstStyle/>
           <a:p>
             <a:r>
-              <a:rPr lang="de-DE" dirty="0" err="1" smtClean="0"/>
-              <a:t>Tinkerkit</a:t>
-            </a:r>
-            <a:r>
-              <a:rPr lang="de-DE" dirty="0" smtClean="0"/>
-              <a:t> </a:t>
-            </a:r>
-            <a:r>
-              <a:rPr lang="de-DE" dirty="0" err="1" smtClean="0"/>
-              <a:t>Robotic</a:t>
-            </a:r>
-            <a:r>
-              <a:rPr lang="de-DE" dirty="0" smtClean="0"/>
-              <a:t> Arm</a:t>
-            </a:r>
-            <a:endParaRPr lang="de-DE" dirty="0"/>
-          </a:p>
-        </p:txBody>
-      </p:sp>
-      <p:sp>
-        <p:nvSpPr>
-          <p:cNvPr id="31" name="TextBox 30"/>
+              <a:rPr lang="en-US" dirty="0" smtClean="0"/>
+              <a:t>Braccio robotic </a:t>
+            </a:r>
+            <a:r>
+              <a:rPr lang="en-US" dirty="0"/>
+              <a:t>a</a:t>
+            </a:r>
+            <a:r>
+              <a:rPr lang="en-US" dirty="0" smtClean="0"/>
+              <a:t>rm</a:t>
+            </a:r>
+            <a:endParaRPr lang="en-US" dirty="0"/>
+          </a:p>
+        </p:txBody>
+      </p:sp>
+      <p:sp>
+        <p:nvSpPr>
+          <p:cNvPr id="32" name="TextBox 31"/>
           <p:cNvSpPr txBox="1"/>
           <p:nvPr/>
         </p:nvSpPr>
         <p:spPr>
           <a:xfrm>
-            <a:off x="1277996" y="6038414"/>
-            <a:ext cx="1689492" cy="369332"/>
+            <a:off x="582392" y="2653013"/>
+            <a:ext cx="1284099" cy="369332"/>
           </a:xfrm>
           <a:prstGeom prst="rect">
             <a:avLst/>
@@ -3386,52 +3349,10 @@
           <a:lstStyle/>
           <a:p>
             <a:r>
-              <a:rPr lang="de-DE" dirty="0" err="1" smtClean="0"/>
-              <a:t>Alcohol</a:t>
-            </a:r>
-            <a:r>
-              <a:rPr lang="de-DE" dirty="0" smtClean="0"/>
-              <a:t> </a:t>
-            </a:r>
-            <a:r>
-              <a:rPr lang="de-DE" dirty="0" err="1" smtClean="0"/>
-              <a:t>sensor</a:t>
-            </a:r>
-            <a:endParaRPr lang="de-DE" dirty="0"/>
-          </a:p>
-        </p:txBody>
-      </p:sp>
-      <p:sp>
-        <p:nvSpPr>
-          <p:cNvPr id="32" name="TextBox 31"/>
-          <p:cNvSpPr txBox="1"/>
-          <p:nvPr/>
-        </p:nvSpPr>
-        <p:spPr>
-          <a:xfrm>
-            <a:off x="3577216" y="6038225"/>
-            <a:ext cx="1689492" cy="369332"/>
-          </a:xfrm>
-          <a:prstGeom prst="rect">
-            <a:avLst/>
-          </a:prstGeom>
-          <a:noFill/>
-        </p:spPr>
-        <p:txBody>
-          <a:bodyPr wrap="square" rtlCol="0">
-            <a:spAutoFit/>
-          </a:bodyPr>
-          <a:lstStyle/>
-          <a:p>
-            <a:r>
-              <a:rPr lang="de-DE" dirty="0" smtClean="0"/>
-              <a:t>RGB </a:t>
-            </a:r>
-            <a:r>
-              <a:rPr lang="de-DE" dirty="0" err="1" smtClean="0"/>
-              <a:t>sensor</a:t>
-            </a:r>
-            <a:endParaRPr lang="de-DE" dirty="0"/>
+              <a:rPr lang="en-US" dirty="0" smtClean="0"/>
+              <a:t>RGB sensor</a:t>
+            </a:r>
+            <a:endParaRPr lang="en-US" dirty="0"/>
           </a:p>
         </p:txBody>
       </p:sp>
@@ -3439,56 +3360,20 @@
         <p:nvCxnSpPr>
           <p:cNvPr id="26" name="Elbow Connector 25"/>
           <p:cNvCxnSpPr>
-            <a:stCxn id="5" idx="0"/>
             <a:endCxn id="1030" idx="2"/>
           </p:cNvCxnSpPr>
           <p:nvPr/>
         </p:nvCxnSpPr>
         <p:spPr>
-          <a:xfrm rot="5400000" flipH="1" flipV="1">
-            <a:off x="4555118" y="4395241"/>
-            <a:ext cx="651450" cy="1429036"/>
+          <a:xfrm>
+            <a:off x="1173465" y="3678879"/>
+            <a:ext cx="4421896" cy="1105155"/>
           </a:xfrm>
-          <a:prstGeom prst="bentConnector3">
+          <a:prstGeom prst="bentConnector4">
             <a:avLst>
-              <a:gd name="adj1" fmla="val 73835"/>
+              <a:gd name="adj1" fmla="val 152"/>
+              <a:gd name="adj2" fmla="val 120685"/>
             </a:avLst>
-          </a:prstGeom>
-          <a:ln>
-            <a:tailEnd type="triangle"/>
-          </a:ln>
-        </p:spPr>
-        <p:style>
-          <a:lnRef idx="1">
-            <a:schemeClr val="accent1"/>
-          </a:lnRef>
-          <a:fillRef idx="0">
-            <a:schemeClr val="accent1"/>
-          </a:fillRef>
-          <a:effectRef idx="0">
-            <a:schemeClr val="accent1"/>
-          </a:effectRef>
-          <a:fontRef idx="minor">
-            <a:schemeClr val="tx1"/>
-          </a:fontRef>
-        </p:style>
-      </p:cxnSp>
-      <p:cxnSp>
-        <p:nvCxnSpPr>
-          <p:cNvPr id="35" name="Elbow Connector 34"/>
-          <p:cNvCxnSpPr>
-            <a:stCxn id="4" idx="0"/>
-            <a:endCxn id="1030" idx="2"/>
-          </p:cNvCxnSpPr>
-          <p:nvPr/>
-        </p:nvCxnSpPr>
-        <p:spPr>
-          <a:xfrm rot="5400000" flipH="1" flipV="1">
-            <a:off x="3640126" y="3178105"/>
-            <a:ext cx="349305" cy="3561165"/>
-          </a:xfrm>
-          <a:prstGeom prst="bentConnector3">
-            <a:avLst/>
           </a:prstGeom>
           <a:ln>
             <a:tailEnd type="triangle"/>
@@ -3519,11 +3404,13 @@
         </p:nvCxnSpPr>
         <p:spPr>
           <a:xfrm rot="10800000">
-            <a:off x="3707536" y="2924355"/>
-            <a:ext cx="774659" cy="746512"/>
+            <a:off x="3683480" y="3666227"/>
+            <a:ext cx="798715" cy="4641"/>
           </a:xfrm>
           <a:prstGeom prst="bentConnector3">
-            <a:avLst/>
+            <a:avLst>
+              <a:gd name="adj1" fmla="val 104002"/>
+            </a:avLst>
           </a:prstGeom>
           <a:ln>
             <a:tailEnd type="triangle"/>

--- a/01_Software Requirements Specification/Zeichnungen.pptx
+++ b/01_Software Requirements Specification/Zeichnungen.pptx
@@ -2992,7 +2992,7 @@
         </p:blipFill>
         <p:spPr bwMode="auto">
           <a:xfrm>
-            <a:off x="7028694" y="256977"/>
+            <a:off x="7324759" y="256977"/>
             <a:ext cx="2645734" cy="2881961"/>
           </a:xfrm>
           <a:prstGeom prst="rect">
@@ -3144,8 +3144,8 @@
         </p:nvCxnSpPr>
         <p:spPr>
           <a:xfrm rot="10800000" flipV="1">
-            <a:off x="6708528" y="1697958"/>
-            <a:ext cx="320166" cy="2"/>
+            <a:off x="6708529" y="1697958"/>
+            <a:ext cx="616231" cy="2"/>
           </a:xfrm>
           <a:prstGeom prst="bentConnector3">
             <a:avLst>
@@ -3153,6 +3153,7 @@
             </a:avLst>
           </a:prstGeom>
           <a:ln>
+            <a:headEnd type="triangle"/>
             <a:tailEnd type="triangle"/>
           </a:ln>
         </p:spPr>

--- a/01_Software Requirements Specification/Zeichnungen.pptx
+++ b/01_Software Requirements Specification/Zeichnungen.pptx
@@ -112,6 +112,10 @@
 </p:presentation>
 </file>
 
+<file path=ppt/revisionInfo.xml><?xml version="1.0" encoding="utf-8"?>
+<p1510:revInfo xmlns:a="http://schemas.openxmlformats.org/drawingml/2006/main" xmlns:r="http://schemas.openxmlformats.org/officeDocument/2006/relationships" xmlns:p1510="http://schemas.microsoft.com/office/powerpoint/2015/10/main"/>
+</file>
+
 <file path=ppt/slideLayouts/slideLayout1.xml><?xml version="1.0" encoding="utf-8"?>
 <p:sldLayout xmlns:a="http://schemas.openxmlformats.org/drawingml/2006/main" xmlns:r="http://schemas.openxmlformats.org/officeDocument/2006/relationships" xmlns:p="http://schemas.openxmlformats.org/presentationml/2006/main" type="title" preserve="1">
   <p:cSld name="Title Slide">
@@ -154,7 +158,7 @@
           </a:lstStyle>
           <a:p>
             <a:r>
-              <a:rPr lang="en-US" smtClean="0"/>
+              <a:rPr lang="en-US"/>
               <a:t>Click to edit Master title style</a:t>
             </a:r>
             <a:endParaRPr lang="de-DE"/>
@@ -219,7 +223,7 @@
           </a:lstStyle>
           <a:p>
             <a:r>
-              <a:rPr lang="en-US" smtClean="0"/>
+              <a:rPr lang="en-US"/>
               <a:t>Click to edit Master subtitle style</a:t>
             </a:r>
             <a:endParaRPr lang="de-DE"/>
@@ -243,7 +247,7 @@
           <a:p>
             <a:fld id="{794F58F0-B98D-41EE-A5C8-0BD046E49DAF}" type="datetimeFigureOut">
               <a:rPr lang="de-DE" smtClean="0"/>
-              <a:t>19.11.2017</a:t>
+              <a:t>03.02.2018</a:t>
             </a:fld>
             <a:endParaRPr lang="de-DE"/>
           </a:p>
@@ -285,7 +289,7 @@
           <a:p>
             <a:fld id="{B5BEE152-0734-42C1-9B15-9CF3DAA00F41}" type="slidenum">
               <a:rPr lang="de-DE" smtClean="0"/>
-              <a:t>‹#›</a:t>
+              <a:t>‹Nr.›</a:t>
             </a:fld>
             <a:endParaRPr lang="de-DE"/>
           </a:p>
@@ -337,7 +341,7 @@
           <a:lstStyle/>
           <a:p>
             <a:r>
-              <a:rPr lang="en-US" smtClean="0"/>
+              <a:rPr lang="en-US"/>
               <a:t>Click to edit Master title style</a:t>
             </a:r>
             <a:endParaRPr lang="de-DE"/>
@@ -361,35 +365,35 @@
           <a:p>
             <a:pPr lvl="0"/>
             <a:r>
-              <a:rPr lang="en-US" smtClean="0"/>
+              <a:rPr lang="en-US"/>
               <a:t>Click to edit Master text styles</a:t>
             </a:r>
           </a:p>
           <a:p>
             <a:pPr lvl="1"/>
             <a:r>
-              <a:rPr lang="en-US" smtClean="0"/>
+              <a:rPr lang="en-US"/>
               <a:t>Second level</a:t>
             </a:r>
           </a:p>
           <a:p>
             <a:pPr lvl="2"/>
             <a:r>
-              <a:rPr lang="en-US" smtClean="0"/>
+              <a:rPr lang="en-US"/>
               <a:t>Third level</a:t>
             </a:r>
           </a:p>
           <a:p>
             <a:pPr lvl="3"/>
             <a:r>
-              <a:rPr lang="en-US" smtClean="0"/>
+              <a:rPr lang="en-US"/>
               <a:t>Fourth level</a:t>
             </a:r>
           </a:p>
           <a:p>
             <a:pPr lvl="4"/>
             <a:r>
-              <a:rPr lang="en-US" smtClean="0"/>
+              <a:rPr lang="en-US"/>
               <a:t>Fifth level</a:t>
             </a:r>
             <a:endParaRPr lang="de-DE"/>
@@ -413,7 +417,7 @@
           <a:p>
             <a:fld id="{794F58F0-B98D-41EE-A5C8-0BD046E49DAF}" type="datetimeFigureOut">
               <a:rPr lang="de-DE" smtClean="0"/>
-              <a:t>19.11.2017</a:t>
+              <a:t>03.02.2018</a:t>
             </a:fld>
             <a:endParaRPr lang="de-DE"/>
           </a:p>
@@ -455,7 +459,7 @@
           <a:p>
             <a:fld id="{B5BEE152-0734-42C1-9B15-9CF3DAA00F41}" type="slidenum">
               <a:rPr lang="de-DE" smtClean="0"/>
-              <a:t>‹#›</a:t>
+              <a:t>‹Nr.›</a:t>
             </a:fld>
             <a:endParaRPr lang="de-DE"/>
           </a:p>
@@ -512,7 +516,7 @@
           <a:lstStyle/>
           <a:p>
             <a:r>
-              <a:rPr lang="en-US" smtClean="0"/>
+              <a:rPr lang="en-US"/>
               <a:t>Click to edit Master title style</a:t>
             </a:r>
             <a:endParaRPr lang="de-DE"/>
@@ -541,35 +545,35 @@
           <a:p>
             <a:pPr lvl="0"/>
             <a:r>
-              <a:rPr lang="en-US" smtClean="0"/>
+              <a:rPr lang="en-US"/>
               <a:t>Click to edit Master text styles</a:t>
             </a:r>
           </a:p>
           <a:p>
             <a:pPr lvl="1"/>
             <a:r>
-              <a:rPr lang="en-US" smtClean="0"/>
+              <a:rPr lang="en-US"/>
               <a:t>Second level</a:t>
             </a:r>
           </a:p>
           <a:p>
             <a:pPr lvl="2"/>
             <a:r>
-              <a:rPr lang="en-US" smtClean="0"/>
+              <a:rPr lang="en-US"/>
               <a:t>Third level</a:t>
             </a:r>
           </a:p>
           <a:p>
             <a:pPr lvl="3"/>
             <a:r>
-              <a:rPr lang="en-US" smtClean="0"/>
+              <a:rPr lang="en-US"/>
               <a:t>Fourth level</a:t>
             </a:r>
           </a:p>
           <a:p>
             <a:pPr lvl="4"/>
             <a:r>
-              <a:rPr lang="en-US" smtClean="0"/>
+              <a:rPr lang="en-US"/>
               <a:t>Fifth level</a:t>
             </a:r>
             <a:endParaRPr lang="de-DE"/>
@@ -593,7 +597,7 @@
           <a:p>
             <a:fld id="{794F58F0-B98D-41EE-A5C8-0BD046E49DAF}" type="datetimeFigureOut">
               <a:rPr lang="de-DE" smtClean="0"/>
-              <a:t>19.11.2017</a:t>
+              <a:t>03.02.2018</a:t>
             </a:fld>
             <a:endParaRPr lang="de-DE"/>
           </a:p>
@@ -635,7 +639,7 @@
           <a:p>
             <a:fld id="{B5BEE152-0734-42C1-9B15-9CF3DAA00F41}" type="slidenum">
               <a:rPr lang="de-DE" smtClean="0"/>
-              <a:t>‹#›</a:t>
+              <a:t>‹Nr.›</a:t>
             </a:fld>
             <a:endParaRPr lang="de-DE"/>
           </a:p>
@@ -687,7 +691,7 @@
           <a:lstStyle/>
           <a:p>
             <a:r>
-              <a:rPr lang="en-US" smtClean="0"/>
+              <a:rPr lang="en-US"/>
               <a:t>Click to edit Master title style</a:t>
             </a:r>
             <a:endParaRPr lang="de-DE"/>
@@ -711,35 +715,35 @@
           <a:p>
             <a:pPr lvl="0"/>
             <a:r>
-              <a:rPr lang="en-US" smtClean="0"/>
+              <a:rPr lang="en-US"/>
               <a:t>Click to edit Master text styles</a:t>
             </a:r>
           </a:p>
           <a:p>
             <a:pPr lvl="1"/>
             <a:r>
-              <a:rPr lang="en-US" smtClean="0"/>
+              <a:rPr lang="en-US"/>
               <a:t>Second level</a:t>
             </a:r>
           </a:p>
           <a:p>
             <a:pPr lvl="2"/>
             <a:r>
-              <a:rPr lang="en-US" smtClean="0"/>
+              <a:rPr lang="en-US"/>
               <a:t>Third level</a:t>
             </a:r>
           </a:p>
           <a:p>
             <a:pPr lvl="3"/>
             <a:r>
-              <a:rPr lang="en-US" smtClean="0"/>
+              <a:rPr lang="en-US"/>
               <a:t>Fourth level</a:t>
             </a:r>
           </a:p>
           <a:p>
             <a:pPr lvl="4"/>
             <a:r>
-              <a:rPr lang="en-US" smtClean="0"/>
+              <a:rPr lang="en-US"/>
               <a:t>Fifth level</a:t>
             </a:r>
             <a:endParaRPr lang="de-DE"/>
@@ -763,7 +767,7 @@
           <a:p>
             <a:fld id="{794F58F0-B98D-41EE-A5C8-0BD046E49DAF}" type="datetimeFigureOut">
               <a:rPr lang="de-DE" smtClean="0"/>
-              <a:t>19.11.2017</a:t>
+              <a:t>03.02.2018</a:t>
             </a:fld>
             <a:endParaRPr lang="de-DE"/>
           </a:p>
@@ -805,7 +809,7 @@
           <a:p>
             <a:fld id="{B5BEE152-0734-42C1-9B15-9CF3DAA00F41}" type="slidenum">
               <a:rPr lang="de-DE" smtClean="0"/>
-              <a:t>‹#›</a:t>
+              <a:t>‹Nr.›</a:t>
             </a:fld>
             <a:endParaRPr lang="de-DE"/>
           </a:p>
@@ -866,7 +870,7 @@
           </a:lstStyle>
           <a:p>
             <a:r>
-              <a:rPr lang="en-US" smtClean="0"/>
+              <a:rPr lang="en-US"/>
               <a:t>Click to edit Master title style</a:t>
             </a:r>
             <a:endParaRPr lang="de-DE"/>
@@ -986,7 +990,7 @@
           <a:p>
             <a:pPr lvl="0"/>
             <a:r>
-              <a:rPr lang="en-US" smtClean="0"/>
+              <a:rPr lang="en-US"/>
               <a:t>Click to edit Master text styles</a:t>
             </a:r>
           </a:p>
@@ -1009,7 +1013,7 @@
           <a:p>
             <a:fld id="{794F58F0-B98D-41EE-A5C8-0BD046E49DAF}" type="datetimeFigureOut">
               <a:rPr lang="de-DE" smtClean="0"/>
-              <a:t>19.11.2017</a:t>
+              <a:t>03.02.2018</a:t>
             </a:fld>
             <a:endParaRPr lang="de-DE"/>
           </a:p>
@@ -1051,7 +1055,7 @@
           <a:p>
             <a:fld id="{B5BEE152-0734-42C1-9B15-9CF3DAA00F41}" type="slidenum">
               <a:rPr lang="de-DE" smtClean="0"/>
-              <a:t>‹#›</a:t>
+              <a:t>‹Nr.›</a:t>
             </a:fld>
             <a:endParaRPr lang="de-DE"/>
           </a:p>
@@ -1103,7 +1107,7 @@
           <a:lstStyle/>
           <a:p>
             <a:r>
-              <a:rPr lang="en-US" smtClean="0"/>
+              <a:rPr lang="en-US"/>
               <a:t>Click to edit Master title style</a:t>
             </a:r>
             <a:endParaRPr lang="de-DE"/>
@@ -1132,35 +1136,35 @@
           <a:p>
             <a:pPr lvl="0"/>
             <a:r>
-              <a:rPr lang="en-US" smtClean="0"/>
+              <a:rPr lang="en-US"/>
               <a:t>Click to edit Master text styles</a:t>
             </a:r>
           </a:p>
           <a:p>
             <a:pPr lvl="1"/>
             <a:r>
-              <a:rPr lang="en-US" smtClean="0"/>
+              <a:rPr lang="en-US"/>
               <a:t>Second level</a:t>
             </a:r>
           </a:p>
           <a:p>
             <a:pPr lvl="2"/>
             <a:r>
-              <a:rPr lang="en-US" smtClean="0"/>
+              <a:rPr lang="en-US"/>
               <a:t>Third level</a:t>
             </a:r>
           </a:p>
           <a:p>
             <a:pPr lvl="3"/>
             <a:r>
-              <a:rPr lang="en-US" smtClean="0"/>
+              <a:rPr lang="en-US"/>
               <a:t>Fourth level</a:t>
             </a:r>
           </a:p>
           <a:p>
             <a:pPr lvl="4"/>
             <a:r>
-              <a:rPr lang="en-US" smtClean="0"/>
+              <a:rPr lang="en-US"/>
               <a:t>Fifth level</a:t>
             </a:r>
             <a:endParaRPr lang="de-DE"/>
@@ -1189,35 +1193,35 @@
           <a:p>
             <a:pPr lvl="0"/>
             <a:r>
-              <a:rPr lang="en-US" smtClean="0"/>
+              <a:rPr lang="en-US"/>
               <a:t>Click to edit Master text styles</a:t>
             </a:r>
           </a:p>
           <a:p>
             <a:pPr lvl="1"/>
             <a:r>
-              <a:rPr lang="en-US" smtClean="0"/>
+              <a:rPr lang="en-US"/>
               <a:t>Second level</a:t>
             </a:r>
           </a:p>
           <a:p>
             <a:pPr lvl="2"/>
             <a:r>
-              <a:rPr lang="en-US" smtClean="0"/>
+              <a:rPr lang="en-US"/>
               <a:t>Third level</a:t>
             </a:r>
           </a:p>
           <a:p>
             <a:pPr lvl="3"/>
             <a:r>
-              <a:rPr lang="en-US" smtClean="0"/>
+              <a:rPr lang="en-US"/>
               <a:t>Fourth level</a:t>
             </a:r>
           </a:p>
           <a:p>
             <a:pPr lvl="4"/>
             <a:r>
-              <a:rPr lang="en-US" smtClean="0"/>
+              <a:rPr lang="en-US"/>
               <a:t>Fifth level</a:t>
             </a:r>
             <a:endParaRPr lang="de-DE"/>
@@ -1241,7 +1245,7 @@
           <a:p>
             <a:fld id="{794F58F0-B98D-41EE-A5C8-0BD046E49DAF}" type="datetimeFigureOut">
               <a:rPr lang="de-DE" smtClean="0"/>
-              <a:t>19.11.2017</a:t>
+              <a:t>03.02.2018</a:t>
             </a:fld>
             <a:endParaRPr lang="de-DE"/>
           </a:p>
@@ -1283,7 +1287,7 @@
           <a:p>
             <a:fld id="{B5BEE152-0734-42C1-9B15-9CF3DAA00F41}" type="slidenum">
               <a:rPr lang="de-DE" smtClean="0"/>
-              <a:t>‹#›</a:t>
+              <a:t>‹Nr.›</a:t>
             </a:fld>
             <a:endParaRPr lang="de-DE"/>
           </a:p>
@@ -1340,7 +1344,7 @@
           <a:lstStyle/>
           <a:p>
             <a:r>
-              <a:rPr lang="en-US" smtClean="0"/>
+              <a:rPr lang="en-US"/>
               <a:t>Click to edit Master title style</a:t>
             </a:r>
             <a:endParaRPr lang="de-DE"/>
@@ -1406,7 +1410,7 @@
           <a:p>
             <a:pPr lvl="0"/>
             <a:r>
-              <a:rPr lang="en-US" smtClean="0"/>
+              <a:rPr lang="en-US"/>
               <a:t>Click to edit Master text styles</a:t>
             </a:r>
           </a:p>
@@ -1434,35 +1438,35 @@
           <a:p>
             <a:pPr lvl="0"/>
             <a:r>
-              <a:rPr lang="en-US" smtClean="0"/>
+              <a:rPr lang="en-US"/>
               <a:t>Click to edit Master text styles</a:t>
             </a:r>
           </a:p>
           <a:p>
             <a:pPr lvl="1"/>
             <a:r>
-              <a:rPr lang="en-US" smtClean="0"/>
+              <a:rPr lang="en-US"/>
               <a:t>Second level</a:t>
             </a:r>
           </a:p>
           <a:p>
             <a:pPr lvl="2"/>
             <a:r>
-              <a:rPr lang="en-US" smtClean="0"/>
+              <a:rPr lang="en-US"/>
               <a:t>Third level</a:t>
             </a:r>
           </a:p>
           <a:p>
             <a:pPr lvl="3"/>
             <a:r>
-              <a:rPr lang="en-US" smtClean="0"/>
+              <a:rPr lang="en-US"/>
               <a:t>Fourth level</a:t>
             </a:r>
           </a:p>
           <a:p>
             <a:pPr lvl="4"/>
             <a:r>
-              <a:rPr lang="en-US" smtClean="0"/>
+              <a:rPr lang="en-US"/>
               <a:t>Fifth level</a:t>
             </a:r>
             <a:endParaRPr lang="de-DE"/>
@@ -1528,7 +1532,7 @@
           <a:p>
             <a:pPr lvl="0"/>
             <a:r>
-              <a:rPr lang="en-US" smtClean="0"/>
+              <a:rPr lang="en-US"/>
               <a:t>Click to edit Master text styles</a:t>
             </a:r>
           </a:p>
@@ -1556,35 +1560,35 @@
           <a:p>
             <a:pPr lvl="0"/>
             <a:r>
-              <a:rPr lang="en-US" smtClean="0"/>
+              <a:rPr lang="en-US"/>
               <a:t>Click to edit Master text styles</a:t>
             </a:r>
           </a:p>
           <a:p>
             <a:pPr lvl="1"/>
             <a:r>
-              <a:rPr lang="en-US" smtClean="0"/>
+              <a:rPr lang="en-US"/>
               <a:t>Second level</a:t>
             </a:r>
           </a:p>
           <a:p>
             <a:pPr lvl="2"/>
             <a:r>
-              <a:rPr lang="en-US" smtClean="0"/>
+              <a:rPr lang="en-US"/>
               <a:t>Third level</a:t>
             </a:r>
           </a:p>
           <a:p>
             <a:pPr lvl="3"/>
             <a:r>
-              <a:rPr lang="en-US" smtClean="0"/>
+              <a:rPr lang="en-US"/>
               <a:t>Fourth level</a:t>
             </a:r>
           </a:p>
           <a:p>
             <a:pPr lvl="4"/>
             <a:r>
-              <a:rPr lang="en-US" smtClean="0"/>
+              <a:rPr lang="en-US"/>
               <a:t>Fifth level</a:t>
             </a:r>
             <a:endParaRPr lang="de-DE"/>
@@ -1608,7 +1612,7 @@
           <a:p>
             <a:fld id="{794F58F0-B98D-41EE-A5C8-0BD046E49DAF}" type="datetimeFigureOut">
               <a:rPr lang="de-DE" smtClean="0"/>
-              <a:t>19.11.2017</a:t>
+              <a:t>03.02.2018</a:t>
             </a:fld>
             <a:endParaRPr lang="de-DE"/>
           </a:p>
@@ -1650,7 +1654,7 @@
           <a:p>
             <a:fld id="{B5BEE152-0734-42C1-9B15-9CF3DAA00F41}" type="slidenum">
               <a:rPr lang="de-DE" smtClean="0"/>
-              <a:t>‹#›</a:t>
+              <a:t>‹Nr.›</a:t>
             </a:fld>
             <a:endParaRPr lang="de-DE"/>
           </a:p>
@@ -1702,7 +1706,7 @@
           <a:lstStyle/>
           <a:p>
             <a:r>
-              <a:rPr lang="en-US" smtClean="0"/>
+              <a:rPr lang="en-US"/>
               <a:t>Click to edit Master title style</a:t>
             </a:r>
             <a:endParaRPr lang="de-DE"/>
@@ -1726,7 +1730,7 @@
           <a:p>
             <a:fld id="{794F58F0-B98D-41EE-A5C8-0BD046E49DAF}" type="datetimeFigureOut">
               <a:rPr lang="de-DE" smtClean="0"/>
-              <a:t>19.11.2017</a:t>
+              <a:t>03.02.2018</a:t>
             </a:fld>
             <a:endParaRPr lang="de-DE"/>
           </a:p>
@@ -1768,7 +1772,7 @@
           <a:p>
             <a:fld id="{B5BEE152-0734-42C1-9B15-9CF3DAA00F41}" type="slidenum">
               <a:rPr lang="de-DE" smtClean="0"/>
-              <a:t>‹#›</a:t>
+              <a:t>‹Nr.›</a:t>
             </a:fld>
             <a:endParaRPr lang="de-DE"/>
           </a:p>
@@ -1821,7 +1825,7 @@
           <a:p>
             <a:fld id="{794F58F0-B98D-41EE-A5C8-0BD046E49DAF}" type="datetimeFigureOut">
               <a:rPr lang="de-DE" smtClean="0"/>
-              <a:t>19.11.2017</a:t>
+              <a:t>03.02.2018</a:t>
             </a:fld>
             <a:endParaRPr lang="de-DE"/>
           </a:p>
@@ -1863,7 +1867,7 @@
           <a:p>
             <a:fld id="{B5BEE152-0734-42C1-9B15-9CF3DAA00F41}" type="slidenum">
               <a:rPr lang="de-DE" smtClean="0"/>
-              <a:t>‹#›</a:t>
+              <a:t>‹Nr.›</a:t>
             </a:fld>
             <a:endParaRPr lang="de-DE"/>
           </a:p>
@@ -1924,7 +1928,7 @@
           </a:lstStyle>
           <a:p>
             <a:r>
-              <a:rPr lang="en-US" smtClean="0"/>
+              <a:rPr lang="en-US"/>
               <a:t>Click to edit Master title style</a:t>
             </a:r>
             <a:endParaRPr lang="de-DE"/>
@@ -1981,35 +1985,35 @@
           <a:p>
             <a:pPr lvl="0"/>
             <a:r>
-              <a:rPr lang="en-US" smtClean="0"/>
+              <a:rPr lang="en-US"/>
               <a:t>Click to edit Master text styles</a:t>
             </a:r>
           </a:p>
           <a:p>
             <a:pPr lvl="1"/>
             <a:r>
-              <a:rPr lang="en-US" smtClean="0"/>
+              <a:rPr lang="en-US"/>
               <a:t>Second level</a:t>
             </a:r>
           </a:p>
           <a:p>
             <a:pPr lvl="2"/>
             <a:r>
-              <a:rPr lang="en-US" smtClean="0"/>
+              <a:rPr lang="en-US"/>
               <a:t>Third level</a:t>
             </a:r>
           </a:p>
           <a:p>
             <a:pPr lvl="3"/>
             <a:r>
-              <a:rPr lang="en-US" smtClean="0"/>
+              <a:rPr lang="en-US"/>
               <a:t>Fourth level</a:t>
             </a:r>
           </a:p>
           <a:p>
             <a:pPr lvl="4"/>
             <a:r>
-              <a:rPr lang="en-US" smtClean="0"/>
+              <a:rPr lang="en-US"/>
               <a:t>Fifth level</a:t>
             </a:r>
             <a:endParaRPr lang="de-DE"/>
@@ -2075,7 +2079,7 @@
           <a:p>
             <a:pPr lvl="0"/>
             <a:r>
-              <a:rPr lang="en-US" smtClean="0"/>
+              <a:rPr lang="en-US"/>
               <a:t>Click to edit Master text styles</a:t>
             </a:r>
           </a:p>
@@ -2098,7 +2102,7 @@
           <a:p>
             <a:fld id="{794F58F0-B98D-41EE-A5C8-0BD046E49DAF}" type="datetimeFigureOut">
               <a:rPr lang="de-DE" smtClean="0"/>
-              <a:t>19.11.2017</a:t>
+              <a:t>03.02.2018</a:t>
             </a:fld>
             <a:endParaRPr lang="de-DE"/>
           </a:p>
@@ -2140,7 +2144,7 @@
           <a:p>
             <a:fld id="{B5BEE152-0734-42C1-9B15-9CF3DAA00F41}" type="slidenum">
               <a:rPr lang="de-DE" smtClean="0"/>
-              <a:t>‹#›</a:t>
+              <a:t>‹Nr.›</a:t>
             </a:fld>
             <a:endParaRPr lang="de-DE"/>
           </a:p>
@@ -2201,7 +2205,7 @@
           </a:lstStyle>
           <a:p>
             <a:r>
-              <a:rPr lang="en-US" smtClean="0"/>
+              <a:rPr lang="en-US"/>
               <a:t>Click to edit Master title style</a:t>
             </a:r>
             <a:endParaRPr lang="de-DE"/>
@@ -2328,7 +2332,7 @@
           <a:p>
             <a:pPr lvl="0"/>
             <a:r>
-              <a:rPr lang="en-US" smtClean="0"/>
+              <a:rPr lang="en-US"/>
               <a:t>Click to edit Master text styles</a:t>
             </a:r>
           </a:p>
@@ -2351,7 +2355,7 @@
           <a:p>
             <a:fld id="{794F58F0-B98D-41EE-A5C8-0BD046E49DAF}" type="datetimeFigureOut">
               <a:rPr lang="de-DE" smtClean="0"/>
-              <a:t>19.11.2017</a:t>
+              <a:t>03.02.2018</a:t>
             </a:fld>
             <a:endParaRPr lang="de-DE"/>
           </a:p>
@@ -2393,7 +2397,7 @@
           <a:p>
             <a:fld id="{B5BEE152-0734-42C1-9B15-9CF3DAA00F41}" type="slidenum">
               <a:rPr lang="de-DE" smtClean="0"/>
-              <a:t>‹#›</a:t>
+              <a:t>‹Nr.›</a:t>
             </a:fld>
             <a:endParaRPr lang="de-DE"/>
           </a:p>
@@ -2460,7 +2464,7 @@
           <a:lstStyle/>
           <a:p>
             <a:r>
-              <a:rPr lang="en-US" smtClean="0"/>
+              <a:rPr lang="en-US"/>
               <a:t>Click to edit Master title style</a:t>
             </a:r>
             <a:endParaRPr lang="de-DE"/>
@@ -2494,35 +2498,35 @@
           <a:p>
             <a:pPr lvl="0"/>
             <a:r>
-              <a:rPr lang="en-US" smtClean="0"/>
+              <a:rPr lang="en-US"/>
               <a:t>Click to edit Master text styles</a:t>
             </a:r>
           </a:p>
           <a:p>
             <a:pPr lvl="1"/>
             <a:r>
-              <a:rPr lang="en-US" smtClean="0"/>
+              <a:rPr lang="en-US"/>
               <a:t>Second level</a:t>
             </a:r>
           </a:p>
           <a:p>
             <a:pPr lvl="2"/>
             <a:r>
-              <a:rPr lang="en-US" smtClean="0"/>
+              <a:rPr lang="en-US"/>
               <a:t>Third level</a:t>
             </a:r>
           </a:p>
           <a:p>
             <a:pPr lvl="3"/>
             <a:r>
-              <a:rPr lang="en-US" smtClean="0"/>
+              <a:rPr lang="en-US"/>
               <a:t>Fourth level</a:t>
             </a:r>
           </a:p>
           <a:p>
             <a:pPr lvl="4"/>
             <a:r>
-              <a:rPr lang="en-US" smtClean="0"/>
+              <a:rPr lang="en-US"/>
               <a:t>Fifth level</a:t>
             </a:r>
             <a:endParaRPr lang="de-DE"/>
@@ -2564,7 +2568,7 @@
           <a:p>
             <a:fld id="{794F58F0-B98D-41EE-A5C8-0BD046E49DAF}" type="datetimeFigureOut">
               <a:rPr lang="de-DE" smtClean="0"/>
-              <a:t>19.11.2017</a:t>
+              <a:t>03.02.2018</a:t>
             </a:fld>
             <a:endParaRPr lang="de-DE"/>
           </a:p>
@@ -2642,7 +2646,7 @@
           <a:p>
             <a:fld id="{B5BEE152-0734-42C1-9B15-9CF3DAA00F41}" type="slidenum">
               <a:rPr lang="de-DE" smtClean="0"/>
-              <a:t>‹#›</a:t>
+              <a:t>‹Nr.›</a:t>
             </a:fld>
             <a:endParaRPr lang="de-DE"/>
           </a:p>
@@ -2992,7 +2996,7 @@
         </p:blipFill>
         <p:spPr bwMode="auto">
           <a:xfrm>
-            <a:off x="7324759" y="256977"/>
+            <a:off x="6250734" y="333608"/>
             <a:ext cx="2645734" cy="2881961"/>
           </a:xfrm>
           <a:prstGeom prst="rect">
@@ -3074,7 +3078,7 @@
         </p:blipFill>
         <p:spPr bwMode="auto">
           <a:xfrm>
-            <a:off x="4283686" y="788905"/>
+            <a:off x="3699504" y="865539"/>
             <a:ext cx="2424842" cy="1818109"/>
           </a:xfrm>
           <a:prstGeom prst="rect">
@@ -3115,7 +3119,7 @@
         </p:blipFill>
         <p:spPr bwMode="auto">
           <a:xfrm>
-            <a:off x="4482194" y="2557700"/>
+            <a:off x="4024400" y="2653013"/>
             <a:ext cx="2226334" cy="2226334"/>
           </a:xfrm>
           <a:prstGeom prst="rect">
@@ -3137,15 +3141,15 @@
         <p:nvCxnSpPr>
           <p:cNvPr id="11" name="Elbow Connector 10"/>
           <p:cNvCxnSpPr>
-            <a:stCxn id="1028" idx="1"/>
+            <a:cxnSpLocks/>
             <a:endCxn id="1032" idx="3"/>
           </p:cNvCxnSpPr>
           <p:nvPr/>
         </p:nvCxnSpPr>
         <p:spPr>
           <a:xfrm rot="10800000" flipV="1">
-            <a:off x="6708529" y="1697958"/>
-            <a:ext cx="616231" cy="2"/>
+            <a:off x="6124347" y="1774588"/>
+            <a:ext cx="566575" cy="6"/>
           </a:xfrm>
           <a:prstGeom prst="bentConnector3">
             <a:avLst>
@@ -3172,39 +3176,6 @@
           </a:fontRef>
         </p:style>
       </p:cxnSp>
-      <p:cxnSp>
-        <p:nvCxnSpPr>
-          <p:cNvPr id="23" name="Straight Arrow Connector 22"/>
-          <p:cNvCxnSpPr/>
-          <p:nvPr/>
-        </p:nvCxnSpPr>
-        <p:spPr>
-          <a:xfrm>
-            <a:off x="6228272" y="2223138"/>
-            <a:ext cx="0" cy="767751"/>
-          </a:xfrm>
-          <a:prstGeom prst="straightConnector1">
-            <a:avLst/>
-          </a:prstGeom>
-          <a:ln>
-            <a:tailEnd type="triangle"/>
-          </a:ln>
-        </p:spPr>
-        <p:style>
-          <a:lnRef idx="1">
-            <a:schemeClr val="accent1"/>
-          </a:lnRef>
-          <a:fillRef idx="0">
-            <a:schemeClr val="accent1"/>
-          </a:fillRef>
-          <a:effectRef idx="0">
-            <a:schemeClr val="accent1"/>
-          </a:effectRef>
-          <a:fontRef idx="minor">
-            <a:schemeClr val="tx1"/>
-          </a:fontRef>
-        </p:style>
-      </p:cxnSp>
       <p:sp>
         <p:nvSpPr>
           <p:cNvPr id="24" name="TextBox 23"/>
@@ -3213,7 +3184,7 @@
         </p:nvSpPr>
         <p:spPr>
           <a:xfrm>
-            <a:off x="4482194" y="526841"/>
+            <a:off x="3951513" y="549279"/>
             <a:ext cx="2299221" cy="369332"/>
           </a:xfrm>
           <a:prstGeom prst="rect">
@@ -3228,10 +3199,9 @@
           <a:lstStyle/>
           <a:p>
             <a:r>
-              <a:rPr lang="en-US" dirty="0" smtClean="0"/>
+              <a:rPr lang="en-US" dirty="0"/>
               <a:t>Bluetooth Shield V2.0</a:t>
             </a:r>
-            <a:endParaRPr lang="en-US" dirty="0"/>
           </a:p>
         </p:txBody>
       </p:sp>
@@ -3243,7 +3213,7 @@
         </p:nvSpPr>
         <p:spPr>
           <a:xfrm>
-            <a:off x="5650528" y="4260558"/>
+            <a:off x="5341586" y="4233384"/>
             <a:ext cx="1674231" cy="369332"/>
           </a:xfrm>
           <a:prstGeom prst="rect">
@@ -3258,10 +3228,9 @@
           <a:lstStyle/>
           <a:p>
             <a:r>
-              <a:rPr lang="en-US" dirty="0" smtClean="0"/>
+              <a:rPr lang="en-US" dirty="0"/>
               <a:t>Arduino Uno </a:t>
             </a:r>
-            <a:endParaRPr lang="en-US" dirty="0"/>
           </a:p>
         </p:txBody>
       </p:sp>
@@ -3297,7 +3266,7 @@
         </p:nvSpPr>
         <p:spPr>
           <a:xfrm>
-            <a:off x="1911578" y="1697958"/>
+            <a:off x="1866491" y="1729176"/>
             <a:ext cx="2299221" cy="369332"/>
           </a:xfrm>
           <a:prstGeom prst="rect">
@@ -3312,18 +3281,9 @@
           <a:lstStyle/>
           <a:p>
             <a:r>
-              <a:rPr lang="en-US" dirty="0" smtClean="0"/>
-              <a:t>Braccio robotic </a:t>
-            </a:r>
-            <a:r>
               <a:rPr lang="en-US" dirty="0"/>
-              <a:t>a</a:t>
-            </a:r>
-            <a:r>
-              <a:rPr lang="en-US" dirty="0" smtClean="0"/>
-              <a:t>rm</a:t>
-            </a:r>
-            <a:endParaRPr lang="en-US" dirty="0"/>
+              <a:t>Braccio robotic arm</a:t>
+            </a:r>
           </a:p>
         </p:txBody>
       </p:sp>
@@ -3350,10 +3310,9 @@
           <a:lstStyle/>
           <a:p>
             <a:r>
-              <a:rPr lang="en-US" dirty="0" smtClean="0"/>
+              <a:rPr lang="en-US" dirty="0"/>
               <a:t>RGB sensor</a:t>
             </a:r>
-            <a:endParaRPr lang="en-US" dirty="0"/>
           </a:p>
         </p:txBody>
       </p:sp>
@@ -3361,19 +3320,20 @@
         <p:nvCxnSpPr>
           <p:cNvPr id="26" name="Elbow Connector 25"/>
           <p:cNvCxnSpPr>
+            <a:cxnSpLocks/>
+            <a:stCxn id="5" idx="2"/>
             <a:endCxn id="1030" idx="2"/>
           </p:cNvCxnSpPr>
           <p:nvPr/>
         </p:nvCxnSpPr>
         <p:spPr>
-          <a:xfrm>
-            <a:off x="1173465" y="3678879"/>
-            <a:ext cx="4421896" cy="1105155"/>
-          </a:xfrm>
-          <a:prstGeom prst="bentConnector4">
+          <a:xfrm rot="16200000" flipH="1">
+            <a:off x="2555282" y="2297062"/>
+            <a:ext cx="1200468" cy="3964102"/>
+          </a:xfrm>
+          <a:prstGeom prst="bentConnector3">
             <a:avLst>
-              <a:gd name="adj1" fmla="val 152"/>
-              <a:gd name="adj2" fmla="val 120685"/>
+              <a:gd name="adj1" fmla="val 119043"/>
             </a:avLst>
           </a:prstGeom>
           <a:ln>
@@ -3399,18 +3359,18 @@
         <p:nvCxnSpPr>
           <p:cNvPr id="42" name="Elbow Connector 41"/>
           <p:cNvCxnSpPr>
-            <a:stCxn id="1030" idx="1"/>
+            <a:cxnSpLocks/>
           </p:cNvCxnSpPr>
           <p:nvPr/>
         </p:nvCxnSpPr>
         <p:spPr>
-          <a:xfrm rot="10800000">
-            <a:off x="3683480" y="3666227"/>
-            <a:ext cx="798715" cy="4641"/>
+          <a:xfrm rot="10800000" flipV="1">
+            <a:off x="3369027" y="3768563"/>
+            <a:ext cx="655373" cy="1"/>
           </a:xfrm>
           <a:prstGeom prst="bentConnector3">
             <a:avLst>
-              <a:gd name="adj1" fmla="val 104002"/>
+              <a:gd name="adj1" fmla="val 50000"/>
             </a:avLst>
           </a:prstGeom>
           <a:ln>
@@ -3432,6 +3392,165 @@
           </a:fontRef>
         </p:style>
       </p:cxnSp>
+      <p:cxnSp>
+        <p:nvCxnSpPr>
+          <p:cNvPr id="15" name="Elbow Connector 10">
+            <a:extLst>
+              <a:ext uri="{FF2B5EF4-FFF2-40B4-BE49-F238E27FC236}">
+                <a16:creationId xmlns:a16="http://schemas.microsoft.com/office/drawing/2014/main" id="{D60DCEB1-D5CF-4E92-B4FD-E454C6C9BDC6}"/>
+              </a:ext>
+            </a:extLst>
+          </p:cNvPr>
+          <p:cNvCxnSpPr>
+            <a:cxnSpLocks/>
+          </p:cNvCxnSpPr>
+          <p:nvPr/>
+        </p:nvCxnSpPr>
+        <p:spPr>
+          <a:xfrm rot="5400000" flipH="1" flipV="1">
+            <a:off x="4976391" y="2657127"/>
+            <a:ext cx="465803" cy="152"/>
+          </a:xfrm>
+          <a:prstGeom prst="bentConnector3">
+            <a:avLst>
+              <a:gd name="adj1" fmla="val 50000"/>
+            </a:avLst>
+          </a:prstGeom>
+          <a:ln>
+            <a:headEnd type="triangle"/>
+            <a:tailEnd type="triangle"/>
+          </a:ln>
+        </p:spPr>
+        <p:style>
+          <a:lnRef idx="1">
+            <a:schemeClr val="accent1"/>
+          </a:lnRef>
+          <a:fillRef idx="0">
+            <a:schemeClr val="accent1"/>
+          </a:fillRef>
+          <a:effectRef idx="0">
+            <a:schemeClr val="accent1"/>
+          </a:effectRef>
+          <a:fontRef idx="minor">
+            <a:schemeClr val="tx1"/>
+          </a:fontRef>
+        </p:style>
+      </p:cxnSp>
+      <p:pic>
+        <p:nvPicPr>
+          <p:cNvPr id="17" name="Grafik 16">
+            <a:extLst>
+              <a:ext uri="{FF2B5EF4-FFF2-40B4-BE49-F238E27FC236}">
+                <a16:creationId xmlns:a16="http://schemas.microsoft.com/office/drawing/2014/main" id="{8EFB4432-60A6-460B-A724-027494FD1284}"/>
+              </a:ext>
+            </a:extLst>
+          </p:cNvPr>
+          <p:cNvPicPr>
+            <a:picLocks noChangeAspect="1"/>
+          </p:cNvPicPr>
+          <p:nvPr/>
+        </p:nvPicPr>
+        <p:blipFill>
+          <a:blip r:embed="rId7" cstate="print">
+            <a:extLst>
+              <a:ext uri="{28A0092B-C50C-407E-A947-70E740481C1C}">
+                <a14:useLocalDpi xmlns:a14="http://schemas.microsoft.com/office/drawing/2010/main" val="0"/>
+              </a:ext>
+            </a:extLst>
+          </a:blip>
+          <a:stretch>
+            <a:fillRect/>
+          </a:stretch>
+        </p:blipFill>
+        <p:spPr>
+          <a:xfrm flipH="1">
+            <a:off x="8695615" y="1036831"/>
+            <a:ext cx="1409490" cy="1409490"/>
+          </a:xfrm>
+          <a:prstGeom prst="rect">
+            <a:avLst/>
+          </a:prstGeom>
+        </p:spPr>
+      </p:pic>
+      <p:cxnSp>
+        <p:nvCxnSpPr>
+          <p:cNvPr id="34" name="Elbow Connector 41">
+            <a:extLst>
+              <a:ext uri="{FF2B5EF4-FFF2-40B4-BE49-F238E27FC236}">
+                <a16:creationId xmlns:a16="http://schemas.microsoft.com/office/drawing/2014/main" id="{28FEFA76-D22B-4FE1-89F9-AD4551853044}"/>
+              </a:ext>
+            </a:extLst>
+          </p:cNvPr>
+          <p:cNvCxnSpPr>
+            <a:cxnSpLocks/>
+          </p:cNvCxnSpPr>
+          <p:nvPr/>
+        </p:nvCxnSpPr>
+        <p:spPr>
+          <a:xfrm rot="10800000" flipV="1">
+            <a:off x="8294389" y="1774586"/>
+            <a:ext cx="357066" cy="1"/>
+          </a:xfrm>
+          <a:prstGeom prst="bentConnector3">
+            <a:avLst>
+              <a:gd name="adj1" fmla="val 50000"/>
+            </a:avLst>
+          </a:prstGeom>
+          <a:ln>
+            <a:tailEnd type="triangle"/>
+          </a:ln>
+        </p:spPr>
+        <p:style>
+          <a:lnRef idx="1">
+            <a:schemeClr val="accent1"/>
+          </a:lnRef>
+          <a:fillRef idx="0">
+            <a:schemeClr val="accent1"/>
+          </a:fillRef>
+          <a:effectRef idx="0">
+            <a:schemeClr val="accent1"/>
+          </a:effectRef>
+          <a:fontRef idx="minor">
+            <a:schemeClr val="tx1"/>
+          </a:fontRef>
+        </p:style>
+      </p:cxnSp>
+      <p:pic>
+        <p:nvPicPr>
+          <p:cNvPr id="28" name="Grafik 27">
+            <a:extLst>
+              <a:ext uri="{FF2B5EF4-FFF2-40B4-BE49-F238E27FC236}">
+                <a16:creationId xmlns:a16="http://schemas.microsoft.com/office/drawing/2014/main" id="{67A3B6D4-4EA2-4559-9075-68E41B6ECBEC}"/>
+              </a:ext>
+            </a:extLst>
+          </p:cNvPr>
+          <p:cNvPicPr>
+            <a:picLocks noChangeAspect="1"/>
+          </p:cNvPicPr>
+          <p:nvPr/>
+        </p:nvPicPr>
+        <p:blipFill>
+          <a:blip r:embed="rId8" cstate="print">
+            <a:extLst>
+              <a:ext uri="{28A0092B-C50C-407E-A947-70E740481C1C}">
+                <a14:useLocalDpi xmlns:a14="http://schemas.microsoft.com/office/drawing/2010/main" val="0"/>
+              </a:ext>
+            </a:extLst>
+          </a:blip>
+          <a:stretch>
+            <a:fillRect/>
+          </a:stretch>
+        </p:blipFill>
+        <p:spPr>
+          <a:xfrm>
+            <a:off x="6209634" y="1250922"/>
+            <a:ext cx="396000" cy="396000"/>
+          </a:xfrm>
+          <a:prstGeom prst="rect">
+            <a:avLst/>
+          </a:prstGeom>
+        </p:spPr>
+      </p:pic>
     </p:spTree>
     <p:extLst>
       <p:ext uri="{BB962C8B-B14F-4D97-AF65-F5344CB8AC3E}">
@@ -3442,13 +3561,6 @@
   <p:clrMapOvr>
     <a:masterClrMapping/>
   </p:clrMapOvr>
-  <p:timing>
-    <p:tnLst>
-      <p:par>
-        <p:cTn id="1" dur="indefinite" restart="never" nodeType="tmRoot"/>
-      </p:par>
-    </p:tnLst>
-  </p:timing>
 </p:sld>
 </file>
 
